--- a/ASYNC^J CALLBACKS ^0 PROMISES.pptx
+++ b/ASYNC^J CALLBACKS ^0 PROMISES.pptx
@@ -169,7 +169,7 @@
           <a:noFill/>
           <a:extLst>
             <a:ext uri="{909E8E84-426E-40dd-AFC4-6F175D3DCCD1}">
-              <a14:hiddenFill xmlns:a14="http://schemas.microsoft.com/office/drawing/2010/main" xmlns="">
+              <a14:hiddenFill xmlns="" xmlns:a14="http://schemas.microsoft.com/office/drawing/2010/main">
                 <a:solidFill>
                   <a:srgbClr val="FFFFFF"/>
                 </a:solidFill>
@@ -229,7 +229,7 @@
             </a:ln>
             <a:extLst>
               <a:ext uri="{91240B29-F687-4f45-9708-019B960494DF}">
-                <a14:hiddenLine xmlns:a14="http://schemas.microsoft.com/office/drawing/2010/main" xmlns="" w="9525">
+                <a14:hiddenLine xmlns="" xmlns:a14="http://schemas.microsoft.com/office/drawing/2010/main" w="9525">
                   <a:solidFill>
                     <a:srgbClr val="000000"/>
                   </a:solidFill>
@@ -319,7 +319,7 @@
             </a:ln>
             <a:extLst>
               <a:ext uri="{91240B29-F687-4f45-9708-019B960494DF}">
-                <a14:hiddenLine xmlns:a14="http://schemas.microsoft.com/office/drawing/2010/main" xmlns="" w="9525">
+                <a14:hiddenLine xmlns="" xmlns:a14="http://schemas.microsoft.com/office/drawing/2010/main" w="9525">
                   <a:solidFill>
                     <a:srgbClr val="000000"/>
                   </a:solidFill>
@@ -409,7 +409,7 @@
             </a:ln>
             <a:extLst>
               <a:ext uri="{91240B29-F687-4f45-9708-019B960494DF}">
-                <a14:hiddenLine xmlns:a14="http://schemas.microsoft.com/office/drawing/2010/main" xmlns="" w="9525">
+                <a14:hiddenLine xmlns="" xmlns:a14="http://schemas.microsoft.com/office/drawing/2010/main" w="9525">
                   <a:solidFill>
                     <a:srgbClr val="000000"/>
                   </a:solidFill>
@@ -443,7 +443,7 @@
             </a:ln>
             <a:extLst>
               <a:ext uri="{91240B29-F687-4f45-9708-019B960494DF}">
-                <a14:hiddenLine xmlns:a14="http://schemas.microsoft.com/office/drawing/2010/main" xmlns="" w="9525">
+                <a14:hiddenLine xmlns="" xmlns:a14="http://schemas.microsoft.com/office/drawing/2010/main" w="9525">
                   <a:solidFill>
                     <a:srgbClr val="000000"/>
                   </a:solidFill>
@@ -533,7 +533,7 @@
             </a:ln>
             <a:extLst>
               <a:ext uri="{91240B29-F687-4f45-9708-019B960494DF}">
-                <a14:hiddenLine xmlns:a14="http://schemas.microsoft.com/office/drawing/2010/main" xmlns="" w="9525">
+                <a14:hiddenLine xmlns="" xmlns:a14="http://schemas.microsoft.com/office/drawing/2010/main" w="9525">
                   <a:solidFill>
                     <a:srgbClr val="000000"/>
                   </a:solidFill>
@@ -595,7 +595,7 @@
             </a:ln>
             <a:extLst>
               <a:ext uri="{91240B29-F687-4f45-9708-019B960494DF}">
-                <a14:hiddenLine xmlns:a14="http://schemas.microsoft.com/office/drawing/2010/main" xmlns="" w="9525">
+                <a14:hiddenLine xmlns="" xmlns:a14="http://schemas.microsoft.com/office/drawing/2010/main" w="9525">
                   <a:solidFill>
                     <a:srgbClr val="000000"/>
                   </a:solidFill>
@@ -657,7 +657,7 @@
             </a:ln>
             <a:extLst>
               <a:ext uri="{91240B29-F687-4f45-9708-019B960494DF}">
-                <a14:hiddenLine xmlns:a14="http://schemas.microsoft.com/office/drawing/2010/main" xmlns="" w="9525">
+                <a14:hiddenLine xmlns="" xmlns:a14="http://schemas.microsoft.com/office/drawing/2010/main" w="9525">
                   <a:solidFill>
                     <a:srgbClr val="000000"/>
                   </a:solidFill>
@@ -747,7 +747,7 @@
             </a:ln>
             <a:extLst>
               <a:ext uri="{91240B29-F687-4f45-9708-019B960494DF}">
-                <a14:hiddenLine xmlns:a14="http://schemas.microsoft.com/office/drawing/2010/main" xmlns="" w="9525">
+                <a14:hiddenLine xmlns="" xmlns:a14="http://schemas.microsoft.com/office/drawing/2010/main" w="9525">
                   <a:solidFill>
                     <a:srgbClr val="000000"/>
                   </a:solidFill>
@@ -809,7 +809,7 @@
             </a:ln>
             <a:extLst>
               <a:ext uri="{91240B29-F687-4f45-9708-019B960494DF}">
-                <a14:hiddenLine xmlns:a14="http://schemas.microsoft.com/office/drawing/2010/main" xmlns="" w="9525">
+                <a14:hiddenLine xmlns="" xmlns:a14="http://schemas.microsoft.com/office/drawing/2010/main" w="9525">
                   <a:solidFill>
                     <a:srgbClr val="000000"/>
                   </a:solidFill>
@@ -871,7 +871,7 @@
             </a:ln>
             <a:extLst>
               <a:ext uri="{91240B29-F687-4f45-9708-019B960494DF}">
-                <a14:hiddenLine xmlns:a14="http://schemas.microsoft.com/office/drawing/2010/main" xmlns="" w="9525">
+                <a14:hiddenLine xmlns="" xmlns:a14="http://schemas.microsoft.com/office/drawing/2010/main" w="9525">
                   <a:solidFill>
                     <a:srgbClr val="000000"/>
                   </a:solidFill>
@@ -961,7 +961,7 @@
             </a:ln>
             <a:extLst>
               <a:ext uri="{91240B29-F687-4f45-9708-019B960494DF}">
-                <a14:hiddenLine xmlns:a14="http://schemas.microsoft.com/office/drawing/2010/main" xmlns="" w="9525">
+                <a14:hiddenLine xmlns="" xmlns:a14="http://schemas.microsoft.com/office/drawing/2010/main" w="9525">
                   <a:solidFill>
                     <a:srgbClr val="000000"/>
                   </a:solidFill>
@@ -1051,7 +1051,7 @@
             </a:ln>
             <a:extLst>
               <a:ext uri="{91240B29-F687-4f45-9708-019B960494DF}">
-                <a14:hiddenLine xmlns:a14="http://schemas.microsoft.com/office/drawing/2010/main" xmlns="" w="9525">
+                <a14:hiddenLine xmlns="" xmlns:a14="http://schemas.microsoft.com/office/drawing/2010/main" w="9525">
                   <a:solidFill>
                     <a:srgbClr val="000000"/>
                   </a:solidFill>
@@ -1113,7 +1113,7 @@
             </a:ln>
             <a:extLst>
               <a:ext uri="{91240B29-F687-4f45-9708-019B960494DF}">
-                <a14:hiddenLine xmlns:a14="http://schemas.microsoft.com/office/drawing/2010/main" xmlns="" w="9525">
+                <a14:hiddenLine xmlns="" xmlns:a14="http://schemas.microsoft.com/office/drawing/2010/main" w="9525">
                   <a:solidFill>
                     <a:srgbClr val="000000"/>
                   </a:solidFill>
@@ -1223,7 +1223,7 @@
             </a:ln>
             <a:extLst>
               <a:ext uri="{91240B29-F687-4f45-9708-019B960494DF}">
-                <a14:hiddenLine xmlns:a14="http://schemas.microsoft.com/office/drawing/2010/main" xmlns="" w="9525">
+                <a14:hiddenLine xmlns="" xmlns:a14="http://schemas.microsoft.com/office/drawing/2010/main" w="9525">
                   <a:solidFill>
                     <a:srgbClr val="000000"/>
                   </a:solidFill>
@@ -1285,7 +1285,7 @@
             </a:ln>
             <a:extLst>
               <a:ext uri="{91240B29-F687-4f45-9708-019B960494DF}">
-                <a14:hiddenLine xmlns:a14="http://schemas.microsoft.com/office/drawing/2010/main" xmlns="" w="9525">
+                <a14:hiddenLine xmlns="" xmlns:a14="http://schemas.microsoft.com/office/drawing/2010/main" w="9525">
                   <a:solidFill>
                     <a:srgbClr val="000000"/>
                   </a:solidFill>
@@ -1375,7 +1375,7 @@
             </a:ln>
             <a:extLst>
               <a:ext uri="{91240B29-F687-4f45-9708-019B960494DF}">
-                <a14:hiddenLine xmlns:a14="http://schemas.microsoft.com/office/drawing/2010/main" xmlns="" w="9525">
+                <a14:hiddenLine xmlns="" xmlns:a14="http://schemas.microsoft.com/office/drawing/2010/main" w="9525">
                   <a:solidFill>
                     <a:srgbClr val="000000"/>
                   </a:solidFill>
@@ -1465,7 +1465,7 @@
             </a:ln>
             <a:extLst>
               <a:ext uri="{91240B29-F687-4f45-9708-019B960494DF}">
-                <a14:hiddenLine xmlns:a14="http://schemas.microsoft.com/office/drawing/2010/main" xmlns="" w="9525">
+                <a14:hiddenLine xmlns="" xmlns:a14="http://schemas.microsoft.com/office/drawing/2010/main" w="9525">
                   <a:solidFill>
                     <a:srgbClr val="000000"/>
                   </a:solidFill>
@@ -1527,7 +1527,7 @@
             </a:ln>
             <a:extLst>
               <a:ext uri="{91240B29-F687-4f45-9708-019B960494DF}">
-                <a14:hiddenLine xmlns:a14="http://schemas.microsoft.com/office/drawing/2010/main" xmlns="" w="9525">
+                <a14:hiddenLine xmlns="" xmlns:a14="http://schemas.microsoft.com/office/drawing/2010/main" w="9525">
                   <a:solidFill>
                     <a:srgbClr val="000000"/>
                   </a:solidFill>
@@ -1617,7 +1617,7 @@
             </a:ln>
             <a:extLst>
               <a:ext uri="{91240B29-F687-4f45-9708-019B960494DF}">
-                <a14:hiddenLine xmlns:a14="http://schemas.microsoft.com/office/drawing/2010/main" xmlns="" w="9525">
+                <a14:hiddenLine xmlns="" xmlns:a14="http://schemas.microsoft.com/office/drawing/2010/main" w="9525">
                   <a:solidFill>
                     <a:srgbClr val="000000"/>
                   </a:solidFill>
@@ -1707,7 +1707,7 @@
             </a:ln>
             <a:extLst>
               <a:ext uri="{91240B29-F687-4f45-9708-019B960494DF}">
-                <a14:hiddenLine xmlns:a14="http://schemas.microsoft.com/office/drawing/2010/main" xmlns="" w="9525">
+                <a14:hiddenLine xmlns="" xmlns:a14="http://schemas.microsoft.com/office/drawing/2010/main" w="9525">
                   <a:solidFill>
                     <a:srgbClr val="000000"/>
                   </a:solidFill>
@@ -1763,7 +1763,7 @@
             </a:ln>
             <a:extLst>
               <a:ext uri="{91240B29-F687-4f45-9708-019B960494DF}">
-                <a14:hiddenLine xmlns:a14="http://schemas.microsoft.com/office/drawing/2010/main" xmlns="" w="9525">
+                <a14:hiddenLine xmlns="" xmlns:a14="http://schemas.microsoft.com/office/drawing/2010/main" w="9525">
                   <a:solidFill>
                     <a:srgbClr val="000000"/>
                   </a:solidFill>
@@ -1853,7 +1853,7 @@
             </a:ln>
             <a:extLst>
               <a:ext uri="{91240B29-F687-4f45-9708-019B960494DF}">
-                <a14:hiddenLine xmlns:a14="http://schemas.microsoft.com/office/drawing/2010/main" xmlns="" w="9525">
+                <a14:hiddenLine xmlns="" xmlns:a14="http://schemas.microsoft.com/office/drawing/2010/main" w="9525">
                   <a:solidFill>
                     <a:srgbClr val="000000"/>
                   </a:solidFill>
@@ -1909,7 +1909,7 @@
             </a:ln>
             <a:extLst>
               <a:ext uri="{91240B29-F687-4f45-9708-019B960494DF}">
-                <a14:hiddenLine xmlns:a14="http://schemas.microsoft.com/office/drawing/2010/main" xmlns="" w="9525">
+                <a14:hiddenLine xmlns="" xmlns:a14="http://schemas.microsoft.com/office/drawing/2010/main" w="9525">
                   <a:solidFill>
                     <a:srgbClr val="000000"/>
                   </a:solidFill>
@@ -1999,7 +1999,7 @@
             </a:ln>
             <a:extLst>
               <a:ext uri="{91240B29-F687-4f45-9708-019B960494DF}">
-                <a14:hiddenLine xmlns:a14="http://schemas.microsoft.com/office/drawing/2010/main" xmlns="" w="9525">
+                <a14:hiddenLine xmlns="" xmlns:a14="http://schemas.microsoft.com/office/drawing/2010/main" w="9525">
                   <a:solidFill>
                     <a:srgbClr val="000000"/>
                   </a:solidFill>
@@ -2067,7 +2067,7 @@
             </a:ln>
             <a:extLst>
               <a:ext uri="{91240B29-F687-4f45-9708-019B960494DF}">
-                <a14:hiddenLine xmlns:a14="http://schemas.microsoft.com/office/drawing/2010/main" xmlns="" w="9525">
+                <a14:hiddenLine xmlns="" xmlns:a14="http://schemas.microsoft.com/office/drawing/2010/main" w="9525">
                   <a:solidFill>
                     <a:srgbClr val="000000"/>
                   </a:solidFill>
@@ -2157,7 +2157,7 @@
             </a:ln>
             <a:extLst>
               <a:ext uri="{91240B29-F687-4f45-9708-019B960494DF}">
-                <a14:hiddenLine xmlns:a14="http://schemas.microsoft.com/office/drawing/2010/main" xmlns="" w="9525">
+                <a14:hiddenLine xmlns="" xmlns:a14="http://schemas.microsoft.com/office/drawing/2010/main" w="9525">
                   <a:solidFill>
                     <a:srgbClr val="000000"/>
                   </a:solidFill>
@@ -2225,7 +2225,7 @@
             </a:ln>
             <a:extLst>
               <a:ext uri="{91240B29-F687-4f45-9708-019B960494DF}">
-                <a14:hiddenLine xmlns:a14="http://schemas.microsoft.com/office/drawing/2010/main" xmlns="" w="9525">
+                <a14:hiddenLine xmlns="" xmlns:a14="http://schemas.microsoft.com/office/drawing/2010/main" w="9525">
                   <a:solidFill>
                     <a:srgbClr val="000000"/>
                   </a:solidFill>
@@ -2315,7 +2315,7 @@
             </a:ln>
             <a:extLst>
               <a:ext uri="{91240B29-F687-4f45-9708-019B960494DF}">
-                <a14:hiddenLine xmlns:a14="http://schemas.microsoft.com/office/drawing/2010/main" xmlns="" w="9525">
+                <a14:hiddenLine xmlns="" xmlns:a14="http://schemas.microsoft.com/office/drawing/2010/main" w="9525">
                   <a:solidFill>
                     <a:srgbClr val="000000"/>
                   </a:solidFill>
@@ -2349,7 +2349,7 @@
             </a:ln>
             <a:extLst>
               <a:ext uri="{91240B29-F687-4f45-9708-019B960494DF}">
-                <a14:hiddenLine xmlns:a14="http://schemas.microsoft.com/office/drawing/2010/main" xmlns="" w="9525">
+                <a14:hiddenLine xmlns="" xmlns:a14="http://schemas.microsoft.com/office/drawing/2010/main" w="9525">
                   <a:solidFill>
                     <a:srgbClr val="000000"/>
                   </a:solidFill>
@@ -2439,7 +2439,7 @@
             </a:ln>
             <a:extLst>
               <a:ext uri="{91240B29-F687-4f45-9708-019B960494DF}">
-                <a14:hiddenLine xmlns:a14="http://schemas.microsoft.com/office/drawing/2010/main" xmlns="" w="9525">
+                <a14:hiddenLine xmlns="" xmlns:a14="http://schemas.microsoft.com/office/drawing/2010/main" w="9525">
                   <a:solidFill>
                     <a:srgbClr val="000000"/>
                   </a:solidFill>
@@ -2501,7 +2501,7 @@
             </a:ln>
             <a:extLst>
               <a:ext uri="{91240B29-F687-4f45-9708-019B960494DF}">
-                <a14:hiddenLine xmlns:a14="http://schemas.microsoft.com/office/drawing/2010/main" xmlns="" w="9525">
+                <a14:hiddenLine xmlns="" xmlns:a14="http://schemas.microsoft.com/office/drawing/2010/main" w="9525">
                   <a:solidFill>
                     <a:srgbClr val="000000"/>
                   </a:solidFill>
@@ -2563,7 +2563,7 @@
             </a:ln>
             <a:extLst>
               <a:ext uri="{91240B29-F687-4f45-9708-019B960494DF}">
-                <a14:hiddenLine xmlns:a14="http://schemas.microsoft.com/office/drawing/2010/main" xmlns="" w="9525">
+                <a14:hiddenLine xmlns="" xmlns:a14="http://schemas.microsoft.com/office/drawing/2010/main" w="9525">
                   <a:solidFill>
                     <a:srgbClr val="000000"/>
                   </a:solidFill>
@@ -2653,7 +2653,7 @@
             </a:ln>
             <a:extLst>
               <a:ext uri="{91240B29-F687-4f45-9708-019B960494DF}">
-                <a14:hiddenLine xmlns:a14="http://schemas.microsoft.com/office/drawing/2010/main" xmlns="" w="9525">
+                <a14:hiddenLine xmlns="" xmlns:a14="http://schemas.microsoft.com/office/drawing/2010/main" w="9525">
                   <a:solidFill>
                     <a:srgbClr val="000000"/>
                   </a:solidFill>
@@ -2721,7 +2721,7 @@
             </a:ln>
             <a:extLst>
               <a:ext uri="{91240B29-F687-4f45-9708-019B960494DF}">
-                <a14:hiddenLine xmlns:a14="http://schemas.microsoft.com/office/drawing/2010/main" xmlns="" w="9525">
+                <a14:hiddenLine xmlns="" xmlns:a14="http://schemas.microsoft.com/office/drawing/2010/main" w="9525">
                   <a:solidFill>
                     <a:srgbClr val="000000"/>
                   </a:solidFill>
@@ -2783,7 +2783,7 @@
             </a:ln>
             <a:extLst>
               <a:ext uri="{91240B29-F687-4f45-9708-019B960494DF}">
-                <a14:hiddenLine xmlns:a14="http://schemas.microsoft.com/office/drawing/2010/main" xmlns="" w="9525">
+                <a14:hiddenLine xmlns="" xmlns:a14="http://schemas.microsoft.com/office/drawing/2010/main" w="9525">
                   <a:solidFill>
                     <a:srgbClr val="000000"/>
                   </a:solidFill>
@@ -2873,7 +2873,7 @@
             </a:ln>
             <a:extLst>
               <a:ext uri="{91240B29-F687-4f45-9708-019B960494DF}">
-                <a14:hiddenLine xmlns:a14="http://schemas.microsoft.com/office/drawing/2010/main" xmlns="" w="9525">
+                <a14:hiddenLine xmlns="" xmlns:a14="http://schemas.microsoft.com/office/drawing/2010/main" w="9525">
                   <a:solidFill>
                     <a:srgbClr val="000000"/>
                   </a:solidFill>
@@ -2935,7 +2935,7 @@
             </a:ln>
             <a:extLst>
               <a:ext uri="{91240B29-F687-4f45-9708-019B960494DF}">
-                <a14:hiddenLine xmlns:a14="http://schemas.microsoft.com/office/drawing/2010/main" xmlns="" w="9525">
+                <a14:hiddenLine xmlns="" xmlns:a14="http://schemas.microsoft.com/office/drawing/2010/main" w="9525">
                   <a:solidFill>
                     <a:srgbClr val="000000"/>
                   </a:solidFill>
@@ -3025,7 +3025,7 @@
             </a:ln>
             <a:extLst>
               <a:ext uri="{91240B29-F687-4f45-9708-019B960494DF}">
-                <a14:hiddenLine xmlns:a14="http://schemas.microsoft.com/office/drawing/2010/main" xmlns="" w="9525">
+                <a14:hiddenLine xmlns="" xmlns:a14="http://schemas.microsoft.com/office/drawing/2010/main" w="9525">
                   <a:solidFill>
                     <a:srgbClr val="000000"/>
                   </a:solidFill>
@@ -3087,7 +3087,7 @@
             </a:ln>
             <a:extLst>
               <a:ext uri="{91240B29-F687-4f45-9708-019B960494DF}">
-                <a14:hiddenLine xmlns:a14="http://schemas.microsoft.com/office/drawing/2010/main" xmlns="" w="9525">
+                <a14:hiddenLine xmlns="" xmlns:a14="http://schemas.microsoft.com/office/drawing/2010/main" w="9525">
                   <a:solidFill>
                     <a:srgbClr val="000000"/>
                   </a:solidFill>
@@ -3177,7 +3177,7 @@
             </a:ln>
             <a:extLst>
               <a:ext uri="{91240B29-F687-4f45-9708-019B960494DF}">
-                <a14:hiddenLine xmlns:a14="http://schemas.microsoft.com/office/drawing/2010/main" xmlns="" w="9525">
+                <a14:hiddenLine xmlns="" xmlns:a14="http://schemas.microsoft.com/office/drawing/2010/main" w="9525">
                   <a:solidFill>
                     <a:srgbClr val="000000"/>
                   </a:solidFill>
@@ -3211,7 +3211,7 @@
             </a:ln>
             <a:extLst>
               <a:ext uri="{91240B29-F687-4f45-9708-019B960494DF}">
-                <a14:hiddenLine xmlns:a14="http://schemas.microsoft.com/office/drawing/2010/main" xmlns="" w="9525">
+                <a14:hiddenLine xmlns="" xmlns:a14="http://schemas.microsoft.com/office/drawing/2010/main" w="9525">
                   <a:solidFill>
                     <a:srgbClr val="000000"/>
                   </a:solidFill>
@@ -3276,7 +3276,7 @@
             </a:ln>
             <a:extLst>
               <a:ext uri="{91240B29-F687-4f45-9708-019B960494DF}">
-                <a14:hiddenLine xmlns:a14="http://schemas.microsoft.com/office/drawing/2010/main" xmlns="" w="9525">
+                <a14:hiddenLine xmlns="" xmlns:a14="http://schemas.microsoft.com/office/drawing/2010/main" w="9525">
                   <a:solidFill>
                     <a:srgbClr val="000000"/>
                   </a:solidFill>
@@ -3366,7 +3366,7 @@
             </a:ln>
             <a:extLst>
               <a:ext uri="{91240B29-F687-4f45-9708-019B960494DF}">
-                <a14:hiddenLine xmlns:a14="http://schemas.microsoft.com/office/drawing/2010/main" xmlns="" w="9525">
+                <a14:hiddenLine xmlns="" xmlns:a14="http://schemas.microsoft.com/office/drawing/2010/main" w="9525">
                   <a:solidFill>
                     <a:srgbClr val="000000"/>
                   </a:solidFill>
@@ -3428,7 +3428,7 @@
             </a:ln>
             <a:extLst>
               <a:ext uri="{91240B29-F687-4f45-9708-019B960494DF}">
-                <a14:hiddenLine xmlns:a14="http://schemas.microsoft.com/office/drawing/2010/main" xmlns="" w="9525">
+                <a14:hiddenLine xmlns="" xmlns:a14="http://schemas.microsoft.com/office/drawing/2010/main" w="9525">
                   <a:solidFill>
                     <a:srgbClr val="000000"/>
                   </a:solidFill>
@@ -3518,7 +3518,7 @@
             </a:ln>
             <a:extLst>
               <a:ext uri="{91240B29-F687-4f45-9708-019B960494DF}">
-                <a14:hiddenLine xmlns:a14="http://schemas.microsoft.com/office/drawing/2010/main" xmlns="" w="9525">
+                <a14:hiddenLine xmlns="" xmlns:a14="http://schemas.microsoft.com/office/drawing/2010/main" w="9525">
                   <a:solidFill>
                     <a:srgbClr val="000000"/>
                   </a:solidFill>
@@ -3608,7 +3608,7 @@
             </a:ln>
             <a:extLst>
               <a:ext uri="{91240B29-F687-4f45-9708-019B960494DF}">
-                <a14:hiddenLine xmlns:a14="http://schemas.microsoft.com/office/drawing/2010/main" xmlns="" w="9525">
+                <a14:hiddenLine xmlns="" xmlns:a14="http://schemas.microsoft.com/office/drawing/2010/main" w="9525">
                   <a:solidFill>
                     <a:srgbClr val="000000"/>
                   </a:solidFill>
@@ -3673,7 +3673,7 @@
             </a:ln>
             <a:extLst>
               <a:ext uri="{91240B29-F687-4f45-9708-019B960494DF}">
-                <a14:hiddenLine xmlns:a14="http://schemas.microsoft.com/office/drawing/2010/main" xmlns="" w="9525">
+                <a14:hiddenLine xmlns="" xmlns:a14="http://schemas.microsoft.com/office/drawing/2010/main" w="9525">
                   <a:solidFill>
                     <a:srgbClr val="000000"/>
                   </a:solidFill>
@@ -3735,7 +3735,7 @@
             </a:ln>
             <a:extLst>
               <a:ext uri="{91240B29-F687-4f45-9708-019B960494DF}">
-                <a14:hiddenLine xmlns:a14="http://schemas.microsoft.com/office/drawing/2010/main" xmlns="" w="9525">
+                <a14:hiddenLine xmlns="" xmlns:a14="http://schemas.microsoft.com/office/drawing/2010/main" w="9525">
                   <a:solidFill>
                     <a:srgbClr val="000000"/>
                   </a:solidFill>
@@ -3825,7 +3825,7 @@
             </a:ln>
             <a:extLst>
               <a:ext uri="{91240B29-F687-4f45-9708-019B960494DF}">
-                <a14:hiddenLine xmlns:a14="http://schemas.microsoft.com/office/drawing/2010/main" xmlns="" w="9525">
+                <a14:hiddenLine xmlns="" xmlns:a14="http://schemas.microsoft.com/office/drawing/2010/main" w="9525">
                   <a:solidFill>
                     <a:srgbClr val="000000"/>
                   </a:solidFill>
@@ -3915,7 +3915,7 @@
             </a:ln>
             <a:extLst>
               <a:ext uri="{91240B29-F687-4f45-9708-019B960494DF}">
-                <a14:hiddenLine xmlns:a14="http://schemas.microsoft.com/office/drawing/2010/main" xmlns="" w="9525">
+                <a14:hiddenLine xmlns="" xmlns:a14="http://schemas.microsoft.com/office/drawing/2010/main" w="9525">
                   <a:solidFill>
                     <a:srgbClr val="000000"/>
                   </a:solidFill>
@@ -3977,7 +3977,7 @@
             </a:ln>
             <a:extLst>
               <a:ext uri="{91240B29-F687-4f45-9708-019B960494DF}">
-                <a14:hiddenLine xmlns:a14="http://schemas.microsoft.com/office/drawing/2010/main" xmlns="" w="9525">
+                <a14:hiddenLine xmlns="" xmlns:a14="http://schemas.microsoft.com/office/drawing/2010/main" w="9525">
                   <a:solidFill>
                     <a:srgbClr val="000000"/>
                   </a:solidFill>
@@ -4097,7 +4097,7 @@
             </a:ln>
             <a:extLst>
               <a:ext uri="{91240B29-F687-4f45-9708-019B960494DF}">
-                <a14:hiddenLine xmlns:a14="http://schemas.microsoft.com/office/drawing/2010/main" xmlns="" w="9525">
+                <a14:hiddenLine xmlns="" xmlns:a14="http://schemas.microsoft.com/office/drawing/2010/main" w="9525">
                   <a:solidFill>
                     <a:srgbClr val="000000"/>
                   </a:solidFill>
@@ -4165,7 +4165,7 @@
             </a:ln>
             <a:extLst>
               <a:ext uri="{91240B29-F687-4f45-9708-019B960494DF}">
-                <a14:hiddenLine xmlns:a14="http://schemas.microsoft.com/office/drawing/2010/main" xmlns="" w="9525">
+                <a14:hiddenLine xmlns="" xmlns:a14="http://schemas.microsoft.com/office/drawing/2010/main" w="9525">
                   <a:solidFill>
                     <a:srgbClr val="000000"/>
                   </a:solidFill>
@@ -4255,7 +4255,7 @@
             </a:ln>
             <a:extLst>
               <a:ext uri="{91240B29-F687-4f45-9708-019B960494DF}">
-                <a14:hiddenLine xmlns:a14="http://schemas.microsoft.com/office/drawing/2010/main" xmlns="" w="9525">
+                <a14:hiddenLine xmlns="" xmlns:a14="http://schemas.microsoft.com/office/drawing/2010/main" w="9525">
                   <a:solidFill>
                     <a:srgbClr val="000000"/>
                   </a:solidFill>
@@ -4395,7 +4395,7 @@
           <a:p>
             <a:fld id="{48A87A34-81AB-432B-8DAE-1953F412C126}" type="datetimeFigureOut">
               <a:rPr lang="en-US" dirty="0"/>
-              <a:t>2/20/2023</a:t>
+              <a:t>2/27/2023</a:t>
             </a:fld>
             <a:endParaRPr lang="en-US" dirty="0"/>
           </a:p>
@@ -4657,7 +4657,7 @@
           <a:p>
             <a:fld id="{48A87A34-81AB-432B-8DAE-1953F412C126}" type="datetimeFigureOut">
               <a:rPr lang="en-US" dirty="0"/>
-              <a:t>2/20/2023</a:t>
+              <a:t>2/27/2023</a:t>
             </a:fld>
             <a:endParaRPr lang="en-US" dirty="0"/>
           </a:p>
@@ -4848,7 +4848,7 @@
           <a:p>
             <a:fld id="{48A87A34-81AB-432B-8DAE-1953F412C126}" type="datetimeFigureOut">
               <a:rPr lang="en-US" dirty="0"/>
-              <a:t>2/20/2023</a:t>
+              <a:t>2/27/2023</a:t>
             </a:fld>
             <a:endParaRPr lang="en-US" dirty="0"/>
           </a:p>
@@ -5106,7 +5106,7 @@
           <a:p>
             <a:fld id="{48A87A34-81AB-432B-8DAE-1953F412C126}" type="datetimeFigureOut">
               <a:rPr lang="en-US" dirty="0"/>
-              <a:t>2/20/2023</a:t>
+              <a:t>2/27/2023</a:t>
             </a:fld>
             <a:endParaRPr lang="en-US" dirty="0"/>
           </a:p>
@@ -5535,7 +5535,7 @@
           <a:p>
             <a:fld id="{48A87A34-81AB-432B-8DAE-1953F412C126}" type="datetimeFigureOut">
               <a:rPr lang="en-US" dirty="0"/>
-              <a:t>2/20/2023</a:t>
+              <a:t>2/27/2023</a:t>
             </a:fld>
             <a:endParaRPr lang="en-US" dirty="0"/>
           </a:p>
@@ -6076,7 +6076,7 @@
           <a:p>
             <a:fld id="{48A87A34-81AB-432B-8DAE-1953F412C126}" type="datetimeFigureOut">
               <a:rPr lang="en-US" dirty="0"/>
-              <a:t>2/20/2023</a:t>
+              <a:t>2/27/2023</a:t>
             </a:fld>
             <a:endParaRPr lang="en-US" dirty="0"/>
           </a:p>
@@ -6791,7 +6791,7 @@
           <a:p>
             <a:fld id="{48A87A34-81AB-432B-8DAE-1953F412C126}" type="datetimeFigureOut">
               <a:rPr lang="en-US" dirty="0"/>
-              <a:t>2/20/2023</a:t>
+              <a:t>2/27/2023</a:t>
             </a:fld>
             <a:endParaRPr lang="en-US" dirty="0"/>
           </a:p>
@@ -6956,7 +6956,7 @@
           <a:p>
             <a:fld id="{48A87A34-81AB-432B-8DAE-1953F412C126}" type="datetimeFigureOut">
               <a:rPr lang="en-US" dirty="0"/>
-              <a:t>2/20/2023</a:t>
+              <a:t>2/27/2023</a:t>
             </a:fld>
             <a:endParaRPr lang="en-US" dirty="0"/>
           </a:p>
@@ -7131,7 +7131,7 @@
           <a:p>
             <a:fld id="{48A87A34-81AB-432B-8DAE-1953F412C126}" type="datetimeFigureOut">
               <a:rPr lang="en-US" dirty="0"/>
-              <a:t>2/20/2023</a:t>
+              <a:t>2/27/2023</a:t>
             </a:fld>
             <a:endParaRPr lang="en-US" dirty="0"/>
           </a:p>
@@ -7296,7 +7296,7 @@
           <a:p>
             <a:fld id="{48A87A34-81AB-432B-8DAE-1953F412C126}" type="datetimeFigureOut">
               <a:rPr lang="en-US" dirty="0"/>
-              <a:t>2/20/2023</a:t>
+              <a:t>2/27/2023</a:t>
             </a:fld>
             <a:endParaRPr lang="en-US" dirty="0"/>
           </a:p>
@@ -7541,7 +7541,7 @@
           <a:p>
             <a:fld id="{48A87A34-81AB-432B-8DAE-1953F412C126}" type="datetimeFigureOut">
               <a:rPr lang="en-US" dirty="0"/>
-              <a:t>2/20/2023</a:t>
+              <a:t>2/27/2023</a:t>
             </a:fld>
             <a:endParaRPr lang="en-US" dirty="0"/>
           </a:p>
@@ -7768,7 +7768,7 @@
           <a:p>
             <a:fld id="{48A87A34-81AB-432B-8DAE-1953F412C126}" type="datetimeFigureOut">
               <a:rPr lang="en-US" dirty="0"/>
-              <a:t>2/20/2023</a:t>
+              <a:t>2/27/2023</a:t>
             </a:fld>
             <a:endParaRPr lang="en-US" dirty="0"/>
           </a:p>
@@ -8144,7 +8144,7 @@
           <a:p>
             <a:fld id="{48A87A34-81AB-432B-8DAE-1953F412C126}" type="datetimeFigureOut">
               <a:rPr lang="en-US" dirty="0"/>
-              <a:t>2/20/2023</a:t>
+              <a:t>2/27/2023</a:t>
             </a:fld>
             <a:endParaRPr lang="en-US" dirty="0"/>
           </a:p>
@@ -8257,7 +8257,7 @@
           <a:p>
             <a:fld id="{48A87A34-81AB-432B-8DAE-1953F412C126}" type="datetimeFigureOut">
               <a:rPr lang="en-US" dirty="0"/>
-              <a:t>2/20/2023</a:t>
+              <a:t>2/27/2023</a:t>
             </a:fld>
             <a:endParaRPr lang="en-US" dirty="0"/>
           </a:p>
@@ -8347,7 +8347,7 @@
           <a:p>
             <a:fld id="{48A87A34-81AB-432B-8DAE-1953F412C126}" type="datetimeFigureOut">
               <a:rPr lang="en-US" dirty="0"/>
-              <a:t>2/20/2023</a:t>
+              <a:t>2/27/2023</a:t>
             </a:fld>
             <a:endParaRPr lang="en-US" dirty="0"/>
           </a:p>
@@ -8591,7 +8591,7 @@
           <a:p>
             <a:fld id="{48A87A34-81AB-432B-8DAE-1953F412C126}" type="datetimeFigureOut">
               <a:rPr lang="en-US" dirty="0"/>
-              <a:t>2/20/2023</a:t>
+              <a:t>2/27/2023</a:t>
             </a:fld>
             <a:endParaRPr lang="en-US" dirty="0"/>
           </a:p>
@@ -8866,7 +8866,7 @@
           <a:p>
             <a:fld id="{48A87A34-81AB-432B-8DAE-1953F412C126}" type="datetimeFigureOut">
               <a:rPr lang="en-US" dirty="0"/>
-              <a:t>2/20/2023</a:t>
+              <a:t>2/27/2023</a:t>
             </a:fld>
             <a:endParaRPr lang="en-US" dirty="0"/>
           </a:p>
@@ -8977,7 +8977,7 @@
           <a:noFill/>
           <a:extLst>
             <a:ext uri="{909E8E84-426E-40dd-AFC4-6F175D3DCCD1}">
-              <a14:hiddenFill xmlns:a14="http://schemas.microsoft.com/office/drawing/2010/main" xmlns="">
+              <a14:hiddenFill xmlns="" xmlns:a14="http://schemas.microsoft.com/office/drawing/2010/main">
                 <a:solidFill>
                   <a:srgbClr val="FFFFFF"/>
                 </a:solidFill>
@@ -9051,7 +9051,7 @@
               </a:ln>
               <a:extLst>
                 <a:ext uri="{91240B29-F687-4f45-9708-019B960494DF}">
-                  <a14:hiddenLine xmlns:a14="http://schemas.microsoft.com/office/drawing/2010/main" xmlns="" w="9525">
+                  <a14:hiddenLine xmlns="" xmlns:a14="http://schemas.microsoft.com/office/drawing/2010/main" w="9525">
                     <a:solidFill>
                       <a:srgbClr val="000000"/>
                     </a:solidFill>
@@ -9141,7 +9141,7 @@
               </a:ln>
               <a:extLst>
                 <a:ext uri="{91240B29-F687-4f45-9708-019B960494DF}">
-                  <a14:hiddenLine xmlns:a14="http://schemas.microsoft.com/office/drawing/2010/main" xmlns="" w="9525">
+                  <a14:hiddenLine xmlns="" xmlns:a14="http://schemas.microsoft.com/office/drawing/2010/main" w="9525">
                     <a:solidFill>
                       <a:srgbClr val="000000"/>
                     </a:solidFill>
@@ -9231,7 +9231,7 @@
               </a:ln>
               <a:extLst>
                 <a:ext uri="{91240B29-F687-4f45-9708-019B960494DF}">
-                  <a14:hiddenLine xmlns:a14="http://schemas.microsoft.com/office/drawing/2010/main" xmlns="" w="9525">
+                  <a14:hiddenLine xmlns="" xmlns:a14="http://schemas.microsoft.com/office/drawing/2010/main" w="9525">
                     <a:solidFill>
                       <a:srgbClr val="000000"/>
                     </a:solidFill>
@@ -9293,7 +9293,7 @@
               </a:ln>
               <a:extLst>
                 <a:ext uri="{91240B29-F687-4f45-9708-019B960494DF}">
-                  <a14:hiddenLine xmlns:a14="http://schemas.microsoft.com/office/drawing/2010/main" xmlns="" w="9525">
+                  <a14:hiddenLine xmlns="" xmlns:a14="http://schemas.microsoft.com/office/drawing/2010/main" w="9525">
                     <a:solidFill>
                       <a:srgbClr val="000000"/>
                     </a:solidFill>
@@ -9383,7 +9383,7 @@
               </a:ln>
               <a:extLst>
                 <a:ext uri="{91240B29-F687-4f45-9708-019B960494DF}">
-                  <a14:hiddenLine xmlns:a14="http://schemas.microsoft.com/office/drawing/2010/main" xmlns="" w="9525">
+                  <a14:hiddenLine xmlns="" xmlns:a14="http://schemas.microsoft.com/office/drawing/2010/main" w="9525">
                     <a:solidFill>
                       <a:srgbClr val="000000"/>
                     </a:solidFill>
@@ -9445,7 +9445,7 @@
               </a:ln>
               <a:extLst>
                 <a:ext uri="{91240B29-F687-4f45-9708-019B960494DF}">
-                  <a14:hiddenLine xmlns:a14="http://schemas.microsoft.com/office/drawing/2010/main" xmlns="" w="9525">
+                  <a14:hiddenLine xmlns="" xmlns:a14="http://schemas.microsoft.com/office/drawing/2010/main" w="9525">
                     <a:solidFill>
                       <a:srgbClr val="000000"/>
                     </a:solidFill>
@@ -9507,7 +9507,7 @@
               </a:ln>
               <a:extLst>
                 <a:ext uri="{91240B29-F687-4f45-9708-019B960494DF}">
-                  <a14:hiddenLine xmlns:a14="http://schemas.microsoft.com/office/drawing/2010/main" xmlns="" w="9525">
+                  <a14:hiddenLine xmlns="" xmlns:a14="http://schemas.microsoft.com/office/drawing/2010/main" w="9525">
                     <a:solidFill>
                       <a:srgbClr val="000000"/>
                     </a:solidFill>
@@ -9597,7 +9597,7 @@
               </a:ln>
               <a:extLst>
                 <a:ext uri="{91240B29-F687-4f45-9708-019B960494DF}">
-                  <a14:hiddenLine xmlns:a14="http://schemas.microsoft.com/office/drawing/2010/main" xmlns="" w="9525">
+                  <a14:hiddenLine xmlns="" xmlns:a14="http://schemas.microsoft.com/office/drawing/2010/main" w="9525">
                     <a:solidFill>
                       <a:srgbClr val="000000"/>
                     </a:solidFill>
@@ -9687,7 +9687,7 @@
               </a:ln>
               <a:extLst>
                 <a:ext uri="{91240B29-F687-4f45-9708-019B960494DF}">
-                  <a14:hiddenLine xmlns:a14="http://schemas.microsoft.com/office/drawing/2010/main" xmlns="" w="9525">
+                  <a14:hiddenLine xmlns="" xmlns:a14="http://schemas.microsoft.com/office/drawing/2010/main" w="9525">
                     <a:solidFill>
                       <a:srgbClr val="000000"/>
                     </a:solidFill>
@@ -9749,7 +9749,7 @@
               </a:ln>
               <a:extLst>
                 <a:ext uri="{91240B29-F687-4f45-9708-019B960494DF}">
-                  <a14:hiddenLine xmlns:a14="http://schemas.microsoft.com/office/drawing/2010/main" xmlns="" w="9525">
+                  <a14:hiddenLine xmlns="" xmlns:a14="http://schemas.microsoft.com/office/drawing/2010/main" w="9525">
                     <a:solidFill>
                       <a:srgbClr val="000000"/>
                     </a:solidFill>
@@ -9859,7 +9859,7 @@
               </a:ln>
               <a:extLst>
                 <a:ext uri="{91240B29-F687-4f45-9708-019B960494DF}">
-                  <a14:hiddenLine xmlns:a14="http://schemas.microsoft.com/office/drawing/2010/main" xmlns="" w="9525">
+                  <a14:hiddenLine xmlns="" xmlns:a14="http://schemas.microsoft.com/office/drawing/2010/main" w="9525">
                     <a:solidFill>
                       <a:srgbClr val="000000"/>
                     </a:solidFill>
@@ -9943,7 +9943,7 @@
               </a:ln>
               <a:extLst>
                 <a:ext uri="{91240B29-F687-4f45-9708-019B960494DF}">
-                  <a14:hiddenLine xmlns:a14="http://schemas.microsoft.com/office/drawing/2010/main" xmlns="" w="9525">
+                  <a14:hiddenLine xmlns="" xmlns:a14="http://schemas.microsoft.com/office/drawing/2010/main" w="9525">
                     <a:solidFill>
                       <a:srgbClr val="000000"/>
                     </a:solidFill>
@@ -10005,7 +10005,7 @@
               </a:ln>
               <a:extLst>
                 <a:ext uri="{91240B29-F687-4f45-9708-019B960494DF}">
-                  <a14:hiddenLine xmlns:a14="http://schemas.microsoft.com/office/drawing/2010/main" xmlns="" w="9525">
+                  <a14:hiddenLine xmlns="" xmlns:a14="http://schemas.microsoft.com/office/drawing/2010/main" w="9525">
                     <a:solidFill>
                       <a:srgbClr val="000000"/>
                     </a:solidFill>
@@ -10067,7 +10067,7 @@
               </a:ln>
               <a:extLst>
                 <a:ext uri="{91240B29-F687-4f45-9708-019B960494DF}">
-                  <a14:hiddenLine xmlns:a14="http://schemas.microsoft.com/office/drawing/2010/main" xmlns="" w="9525">
+                  <a14:hiddenLine xmlns="" xmlns:a14="http://schemas.microsoft.com/office/drawing/2010/main" w="9525">
                     <a:solidFill>
                       <a:srgbClr val="000000"/>
                     </a:solidFill>
@@ -10157,7 +10157,7 @@
               </a:ln>
               <a:extLst>
                 <a:ext uri="{91240B29-F687-4f45-9708-019B960494DF}">
-                  <a14:hiddenLine xmlns:a14="http://schemas.microsoft.com/office/drawing/2010/main" xmlns="" w="9525">
+                  <a14:hiddenLine xmlns="" xmlns:a14="http://schemas.microsoft.com/office/drawing/2010/main" w="9525">
                     <a:solidFill>
                       <a:srgbClr val="000000"/>
                     </a:solidFill>
@@ -10191,7 +10191,7 @@
               </a:ln>
               <a:extLst>
                 <a:ext uri="{91240B29-F687-4f45-9708-019B960494DF}">
-                  <a14:hiddenLine xmlns:a14="http://schemas.microsoft.com/office/drawing/2010/main" xmlns="" w="9525">
+                  <a14:hiddenLine xmlns="" xmlns:a14="http://schemas.microsoft.com/office/drawing/2010/main" w="9525">
                     <a:solidFill>
                       <a:srgbClr val="000000"/>
                     </a:solidFill>
@@ -10256,7 +10256,7 @@
               </a:ln>
               <a:extLst>
                 <a:ext uri="{91240B29-F687-4f45-9708-019B960494DF}">
-                  <a14:hiddenLine xmlns:a14="http://schemas.microsoft.com/office/drawing/2010/main" xmlns="" w="9525">
+                  <a14:hiddenLine xmlns="" xmlns:a14="http://schemas.microsoft.com/office/drawing/2010/main" w="9525">
                     <a:solidFill>
                       <a:srgbClr val="000000"/>
                     </a:solidFill>
@@ -10346,7 +10346,7 @@
               </a:ln>
               <a:extLst>
                 <a:ext uri="{91240B29-F687-4f45-9708-019B960494DF}">
-                  <a14:hiddenLine xmlns:a14="http://schemas.microsoft.com/office/drawing/2010/main" xmlns="" w="9525">
+                  <a14:hiddenLine xmlns="" xmlns:a14="http://schemas.microsoft.com/office/drawing/2010/main" w="9525">
                     <a:solidFill>
                       <a:srgbClr val="000000"/>
                     </a:solidFill>
@@ -10408,7 +10408,7 @@
               </a:ln>
               <a:extLst>
                 <a:ext uri="{91240B29-F687-4f45-9708-019B960494DF}">
-                  <a14:hiddenLine xmlns:a14="http://schemas.microsoft.com/office/drawing/2010/main" xmlns="" w="9525">
+                  <a14:hiddenLine xmlns="" xmlns:a14="http://schemas.microsoft.com/office/drawing/2010/main" w="9525">
                     <a:solidFill>
                       <a:srgbClr val="000000"/>
                     </a:solidFill>
@@ -10498,7 +10498,7 @@
               </a:ln>
               <a:extLst>
                 <a:ext uri="{91240B29-F687-4f45-9708-019B960494DF}">
-                  <a14:hiddenLine xmlns:a14="http://schemas.microsoft.com/office/drawing/2010/main" xmlns="" w="9525">
+                  <a14:hiddenLine xmlns="" xmlns:a14="http://schemas.microsoft.com/office/drawing/2010/main" w="9525">
                     <a:solidFill>
                       <a:srgbClr val="000000"/>
                     </a:solidFill>
@@ -10563,7 +10563,7 @@
               </a:ln>
               <a:extLst>
                 <a:ext uri="{91240B29-F687-4f45-9708-019B960494DF}">
-                  <a14:hiddenLine xmlns:a14="http://schemas.microsoft.com/office/drawing/2010/main" xmlns="" w="9525">
+                  <a14:hiddenLine xmlns="" xmlns:a14="http://schemas.microsoft.com/office/drawing/2010/main" w="9525">
                     <a:solidFill>
                       <a:srgbClr val="000000"/>
                     </a:solidFill>
@@ -10625,7 +10625,7 @@
               </a:ln>
               <a:extLst>
                 <a:ext uri="{91240B29-F687-4f45-9708-019B960494DF}">
-                  <a14:hiddenLine xmlns:a14="http://schemas.microsoft.com/office/drawing/2010/main" xmlns="" w="9525">
+                  <a14:hiddenLine xmlns="" xmlns:a14="http://schemas.microsoft.com/office/drawing/2010/main" w="9525">
                     <a:solidFill>
                       <a:srgbClr val="000000"/>
                     </a:solidFill>
@@ -10715,7 +10715,7 @@
               </a:ln>
               <a:extLst>
                 <a:ext uri="{91240B29-F687-4f45-9708-019B960494DF}">
-                  <a14:hiddenLine xmlns:a14="http://schemas.microsoft.com/office/drawing/2010/main" xmlns="" w="9525">
+                  <a14:hiddenLine xmlns="" xmlns:a14="http://schemas.microsoft.com/office/drawing/2010/main" w="9525">
                     <a:solidFill>
                       <a:srgbClr val="000000"/>
                     </a:solidFill>
@@ -10805,7 +10805,7 @@
               </a:ln>
               <a:extLst>
                 <a:ext uri="{91240B29-F687-4f45-9708-019B960494DF}">
-                  <a14:hiddenLine xmlns:a14="http://schemas.microsoft.com/office/drawing/2010/main" xmlns="" w="9525">
+                  <a14:hiddenLine xmlns="" xmlns:a14="http://schemas.microsoft.com/office/drawing/2010/main" w="9525">
                     <a:solidFill>
                       <a:srgbClr val="000000"/>
                     </a:solidFill>
@@ -10870,7 +10870,7 @@
               </a:ln>
               <a:extLst>
                 <a:ext uri="{91240B29-F687-4f45-9708-019B960494DF}">
-                  <a14:hiddenLine xmlns:a14="http://schemas.microsoft.com/office/drawing/2010/main" xmlns="" w="9525">
+                  <a14:hiddenLine xmlns="" xmlns:a14="http://schemas.microsoft.com/office/drawing/2010/main" w="9525">
                     <a:solidFill>
                       <a:srgbClr val="000000"/>
                     </a:solidFill>
@@ -10990,7 +10990,7 @@
               </a:ln>
               <a:extLst>
                 <a:ext uri="{91240B29-F687-4f45-9708-019B960494DF}">
-                  <a14:hiddenLine xmlns:a14="http://schemas.microsoft.com/office/drawing/2010/main" xmlns="" w="9525">
+                  <a14:hiddenLine xmlns="" xmlns:a14="http://schemas.microsoft.com/office/drawing/2010/main" w="9525">
                     <a:solidFill>
                       <a:srgbClr val="000000"/>
                     </a:solidFill>
@@ -11088,7 +11088,7 @@
               </a:ln>
               <a:extLst>
                 <a:ext uri="{91240B29-F687-4f45-9708-019B960494DF}">
-                  <a14:hiddenLine xmlns:a14="http://schemas.microsoft.com/office/drawing/2010/main" xmlns="" w="9525">
+                  <a14:hiddenLine xmlns="" xmlns:a14="http://schemas.microsoft.com/office/drawing/2010/main" w="9525">
                     <a:solidFill>
                       <a:srgbClr val="000000"/>
                     </a:solidFill>
@@ -11203,7 +11203,7 @@
               </a:ln>
               <a:extLst>
                 <a:ext uri="{91240B29-F687-4f45-9708-019B960494DF}">
-                  <a14:hiddenLine xmlns:a14="http://schemas.microsoft.com/office/drawing/2010/main" xmlns="" w="9525">
+                  <a14:hiddenLine xmlns="" xmlns:a14="http://schemas.microsoft.com/office/drawing/2010/main" w="9525">
                     <a:solidFill>
                       <a:srgbClr val="000000"/>
                     </a:solidFill>
@@ -11293,7 +11293,7 @@
               </a:ln>
               <a:extLst>
                 <a:ext uri="{91240B29-F687-4f45-9708-019B960494DF}">
-                  <a14:hiddenLine xmlns:a14="http://schemas.microsoft.com/office/drawing/2010/main" xmlns="" w="9525">
+                  <a14:hiddenLine xmlns="" xmlns:a14="http://schemas.microsoft.com/office/drawing/2010/main" w="9525">
                     <a:solidFill>
                       <a:srgbClr val="000000"/>
                     </a:solidFill>
@@ -11358,7 +11358,7 @@
               </a:ln>
               <a:extLst>
                 <a:ext uri="{91240B29-F687-4f45-9708-019B960494DF}">
-                  <a14:hiddenLine xmlns:a14="http://schemas.microsoft.com/office/drawing/2010/main" xmlns="" w="9525">
+                  <a14:hiddenLine xmlns="" xmlns:a14="http://schemas.microsoft.com/office/drawing/2010/main" w="9525">
                     <a:solidFill>
                       <a:srgbClr val="000000"/>
                     </a:solidFill>
@@ -11448,7 +11448,7 @@
               </a:ln>
               <a:extLst>
                 <a:ext uri="{91240B29-F687-4f45-9708-019B960494DF}">
-                  <a14:hiddenLine xmlns:a14="http://schemas.microsoft.com/office/drawing/2010/main" xmlns="" w="9525">
+                  <a14:hiddenLine xmlns="" xmlns:a14="http://schemas.microsoft.com/office/drawing/2010/main" w="9525">
                     <a:solidFill>
                       <a:srgbClr val="000000"/>
                     </a:solidFill>
@@ -11516,7 +11516,7 @@
               </a:ln>
               <a:extLst>
                 <a:ext uri="{91240B29-F687-4f45-9708-019B960494DF}">
-                  <a14:hiddenLine xmlns:a14="http://schemas.microsoft.com/office/drawing/2010/main" xmlns="" w="9525">
+                  <a14:hiddenLine xmlns="" xmlns:a14="http://schemas.microsoft.com/office/drawing/2010/main" w="9525">
                     <a:solidFill>
                       <a:srgbClr val="000000"/>
                     </a:solidFill>
@@ -11606,7 +11606,7 @@
               </a:ln>
               <a:extLst>
                 <a:ext uri="{91240B29-F687-4f45-9708-019B960494DF}">
-                  <a14:hiddenLine xmlns:a14="http://schemas.microsoft.com/office/drawing/2010/main" xmlns="" w="9525">
+                  <a14:hiddenLine xmlns="" xmlns:a14="http://schemas.microsoft.com/office/drawing/2010/main" w="9525">
                     <a:solidFill>
                       <a:srgbClr val="000000"/>
                     </a:solidFill>
@@ -11674,7 +11674,7 @@
               </a:ln>
               <a:extLst>
                 <a:ext uri="{91240B29-F687-4f45-9708-019B960494DF}">
-                  <a14:hiddenLine xmlns:a14="http://schemas.microsoft.com/office/drawing/2010/main" xmlns="" w="9525">
+                  <a14:hiddenLine xmlns="" xmlns:a14="http://schemas.microsoft.com/office/drawing/2010/main" w="9525">
                     <a:solidFill>
                       <a:srgbClr val="000000"/>
                     </a:solidFill>
@@ -11764,7 +11764,7 @@
               </a:ln>
               <a:extLst>
                 <a:ext uri="{91240B29-F687-4f45-9708-019B960494DF}">
-                  <a14:hiddenLine xmlns:a14="http://schemas.microsoft.com/office/drawing/2010/main" xmlns="" w="9525">
+                  <a14:hiddenLine xmlns="" xmlns:a14="http://schemas.microsoft.com/office/drawing/2010/main" w="9525">
                     <a:solidFill>
                       <a:srgbClr val="000000"/>
                     </a:solidFill>
@@ -11798,7 +11798,7 @@
               </a:ln>
               <a:extLst>
                 <a:ext uri="{91240B29-F687-4f45-9708-019B960494DF}">
-                  <a14:hiddenLine xmlns:a14="http://schemas.microsoft.com/office/drawing/2010/main" xmlns="" w="9525">
+                  <a14:hiddenLine xmlns="" xmlns:a14="http://schemas.microsoft.com/office/drawing/2010/main" w="9525">
                     <a:solidFill>
                       <a:srgbClr val="000000"/>
                     </a:solidFill>
@@ -11939,7 +11939,7 @@
             <a:fld id="{48A87A34-81AB-432B-8DAE-1953F412C126}" type="datetimeFigureOut">
               <a:rPr lang="en-US" dirty="0"/>
               <a:pPr/>
-              <a:t>2/20/2023</a:t>
+              <a:t>2/27/2023</a:t>
             </a:fld>
             <a:endParaRPr lang="en-US" dirty="0"/>
           </a:p>
@@ -13638,6 +13638,10 @@
             </a:r>
           </a:p>
           <a:p>
+            <a:r>
+              <a:rPr lang="en-US" dirty="0"/>
+              <a:t>Bluebird</a:t>
+            </a:r>
             <a:endParaRPr lang="en-KE" dirty="0"/>
           </a:p>
         </p:txBody>
